--- a/3. Spring REST/Day 4/Slides/4. Error Handling/error-handling-slides.pptx
+++ b/3. Spring REST/Day 4/Slides/4. Error Handling/error-handling-slides.pptx
@@ -10832,7 +10832,7 @@
         </p:nvSpPr>
         <p:spPr>
           <a:xfrm>
-            <a:off x="7366000" y="5448300"/>
+            <a:off x="7213600" y="5410200"/>
             <a:ext cx="2818130" cy="513080"/>
           </a:xfrm>
           <a:prstGeom prst="rect">
